--- a/ProgramsAndProofsIowa2025.pptx
+++ b/ProgramsAndProofsIowa2025.pptx
@@ -9768,10 +9768,10 @@
       </p:sp>
       <p:pic>
         <p:nvPicPr>
-          <p:cNvPr id="7" name="Picture 6" descr="\documentclass{article}&#10;\usepackage{amsmath,infer,mathwidth}&#10;\pagestyle{empty}&#10;\begin{document}&#10;&#10;\infbox{&#10;\iproof&#10;  {\iproof&#10;     {\assume{A \land B}};&#10;     {A}}&#10;  {\iproof&#10;     {\assume {A \land B}};&#10;     {B}};&#10;  {B \land A}&#10;}&#10;&#10;&#10;\end{document}" title="IguanaTex Picture Display">
+          <p:cNvPr id="6" name="Picture 5" descr="\documentclass{article}&#10;\usepackage{amsmath,infer,mathwidth}&#10;\pagestyle{empty}&#10;\begin{document}&#10;&#10;\infbox{&#10;\iproof&#10;  {\iproof&#10;     {\assume {A \land B}};&#10;     {B}}&#10;  {\iproof&#10;     {\assume{A \land B}};&#10;     {A}};&#10;  {B \land A}&#10;}&#10;&#10;&#10;\end{document}" title="IguanaTex Picture Display">
             <a:extLst>
               <a:ext uri="{FF2B5EF4-FFF2-40B4-BE49-F238E27FC236}">
-                <a16:creationId xmlns:a16="http://schemas.microsoft.com/office/drawing/2014/main" id="{B7BAD2B4-EBD5-8DB8-6DB0-A343EC5DAD48}"/>
+                <a16:creationId xmlns:a16="http://schemas.microsoft.com/office/drawing/2014/main" id="{E1C2263F-16E9-E822-97A3-F73318FF9EC8}"/>
               </a:ext>
             </a:extLst>
           </p:cNvPr>
@@ -17248,10 +17248,10 @@
       </p:sp>
       <p:pic>
         <p:nvPicPr>
-          <p:cNvPr id="7" name="Picture 6" descr="\documentclass{article}&#10;\usepackage{array,amsmath,infer,mathwidth}&#10;\pagestyle{empty}&#10;\renewcommand\implies\supset&#10;\renewcommand\sidecond[1]{$\,\scriptsize{#1}$}&#10;\setlength{\extrarowheight}{-1pt}&#10;\begin{document}&#10;&#10;\infbox{\irule{&#10;   {\begin{array}{@{}c@{}}&#10;     A^\alpha \\ &#10;     \vdots \\ &#10;     B \\[-3pt]&#10;    \end{array}}};&#10;  {A \implies B}!\alpha}&#10;&#10;&#10;\end{document}" title="IguanaTex Picture Display">
+          <p:cNvPr id="6" name="Picture 5" descr="\documentclass{article}&#10;\usepackage{array,amsmath,infer,mathwidth}&#10;\pagestyle{empty}&#10;\renewcommand\implies\supset&#10;\renewcommand\sidecond[1]{$\,\scriptsize{#1}$}&#10;\setlength{\extrarowheight}{-1pt}&#10;\begin{document}&#10;&#10;\infbox{\irule{&#10;   {\begin{array}{@{}c@{}}&#10;     A^x \\ &#10;     \vdots \\ &#10;     B \\[-3pt]&#10;    \end{array}}};&#10;  {A \implies B}!x}&#10;&#10;&#10;\end{document}" title="IguanaTex Picture Display">
             <a:extLst>
               <a:ext uri="{FF2B5EF4-FFF2-40B4-BE49-F238E27FC236}">
-                <a16:creationId xmlns:a16="http://schemas.microsoft.com/office/drawing/2014/main" id="{C6005284-13C8-C334-BED5-2D16907E4A54}"/>
+                <a16:creationId xmlns:a16="http://schemas.microsoft.com/office/drawing/2014/main" id="{C2B76CBA-A974-9F51-AB2E-BAF30926507B}"/>
               </a:ext>
             </a:extLst>
           </p:cNvPr>
@@ -17279,7 +17279,7 @@
         <p:spPr>
           <a:xfrm>
             <a:off x="1451561" y="2954945"/>
-            <a:ext cx="1108114" cy="1546971"/>
+            <a:ext cx="1082514" cy="1546971"/>
           </a:xfrm>
           <a:prstGeom prst="rect">
             <a:avLst/>
@@ -18743,10 +18743,10 @@
       </p:sp>
       <p:pic>
         <p:nvPicPr>
-          <p:cNvPr id="17" name="Picture 16" descr="\documentclass{article}&#10;\usepackage{array,amsmath,infer,mathwidth}&#10;\pagestyle{empty}&#10;\renewcommand\implies\supset&#10;\renewcommand\sidecond[1]{$\,\scriptsize{#1}$}&#10;\setlength{\extrarowheight}{-1pt}&#10;\begin{document}&#10;&#10;\infbox{&#10;\iproof&#10;  {\iproof&#10;    {\iproof&#10;      {\iproof&#10;         {\iproof&#10;           {\assume {x : A \to B \to C}}&#10;           {\assume {z : A}};&#10;           {x(z) : B \to C}}&#10;         {\assume {y : B}};&#10;         {x(z)(y) : C}};&#10;      {\lambda z. x(y)(z) : A \to C}};&#10;    {\lambda y. \lambda z. x(y)(z) : B \to A \to C}};&#10;  {\lambda x. \lambda y. \lambda z. x(y)(z) : (A \to B \to C) \to (B \to A \to C)}&#10;}&#10;&#10;&#10;\end{document}" title="IguanaTex Picture Display">
+          <p:cNvPr id="8" name="Picture 7" descr="\documentclass{article}&#10;\usepackage{array,amsmath,infer,mathwidth}&#10;\pagestyle{empty}&#10;\renewcommand\implies\supset&#10;\renewcommand\sidecond[1]{$\,\scriptsize{#1}$}&#10;\setlength{\extrarowheight}{-1pt}&#10;\begin{document}&#10;&#10;\infbox{&#10;\iproof&#10;  {\iproof&#10;    {\iproof&#10;      {\iproof&#10;         {\iproof&#10;           {\assume {x : A \to B \to C}}&#10;           {\assume {z : A}};&#10;           {x(z) : B \to C}}&#10;         {\assume {y : B}};&#10;         {x(z)(y) : C}};&#10;      {\lambda z. x(z)(y) : A \to C}};&#10;    {\lambda y. \lambda z. x(z)(y) : B \to A \to C}};&#10;  {\lambda x. \lambda y. \lambda z. x(z)(y) : (A \to B \to C) \to (B \to A \to C)}&#10;}&#10;&#10;&#10;\end{document}" title="IguanaTex Picture Display">
             <a:extLst>
               <a:ext uri="{FF2B5EF4-FFF2-40B4-BE49-F238E27FC236}">
-                <a16:creationId xmlns:a16="http://schemas.microsoft.com/office/drawing/2014/main" id="{3DABFC9D-BCAE-15CA-28E8-4056A82A913C}"/>
+                <a16:creationId xmlns:a16="http://schemas.microsoft.com/office/drawing/2014/main" id="{3DE00203-32A9-E25C-1B23-0875478C6680}"/>
               </a:ext>
             </a:extLst>
           </p:cNvPr>
@@ -18773,8 +18773,8 @@
         </p:blipFill>
         <p:spPr>
           <a:xfrm>
-            <a:off x="724128" y="1852311"/>
-            <a:ext cx="6833371" cy="2684342"/>
+            <a:off x="724129" y="1852310"/>
+            <a:ext cx="6833373" cy="2684344"/>
           </a:xfrm>
           <a:prstGeom prst="rect">
             <a:avLst/>
@@ -23822,9 +23822,9 @@
   <p:tag name="ORIGINALWIDTH" val=" 786.6517"/>
   <p:tag name="OUTPUTTYPE" val="PNG"/>
   <p:tag name="IGUANATEXVERSION" val="162"/>
-  <p:tag name="LATEXADDIN" val="\documentclass{article}&#10;\usepackage{amsmath,infer,mathwidth}&#10;\pagestyle{empty}&#10;\begin{document}&#10;&#10;\infbox{&#10;\iproof&#10;  {\iproof&#10;     {\assume{A \land B}};&#10;     {A}}&#10;  {\iproof&#10;     {\assume {A \land B}};&#10;     {B}};&#10;  {B \land A}&#10;}&#10;&#10;&#10;\end{document}"/>
+  <p:tag name="LATEXADDIN" val="\documentclass{article}&#10;\usepackage{amsmath,infer,mathwidth}&#10;\pagestyle{empty}&#10;\begin{document}&#10;&#10;\infbox{&#10;\iproof&#10;  {\iproof&#10;     {\assume {A \land B}};&#10;     {B}}&#10;  {\iproof&#10;     {\assume{A \land B}};&#10;     {A}};&#10;  {B \land A}&#10;}&#10;&#10;&#10;\end{document}"/>
   <p:tag name="IGUANATEXSIZE" val="56"/>
-  <p:tag name="IGUANATEXCURSOR" val="209"/>
+  <p:tag name="IGUANATEXCURSOR" val="210"/>
   <p:tag name="TRANSPARENCY" val="True"/>
   <p:tag name="CHOOSECOLOR" val="False"/>
   <p:tag name="COLORHEX" val="000000"/>
@@ -23885,12 +23885,12 @@
 <p:tagLst xmlns:a="http://schemas.openxmlformats.org/drawingml/2006/main" xmlns:r="http://schemas.openxmlformats.org/officeDocument/2006/relationships" xmlns:p="http://schemas.openxmlformats.org/presentationml/2006/main">
   <p:tag name="OUTPUTDPI" val=" 1200"/>
   <p:tag name="ORIGINALHEIGHT" val=" 634.4207"/>
-  <p:tag name="ORIGINALWIDTH" val=" 454.4432"/>
+  <p:tag name="ORIGINALWIDTH" val=" 443.9445"/>
   <p:tag name="OUTPUTTYPE" val="PNG"/>
   <p:tag name="IGUANATEXVERSION" val="162"/>
-  <p:tag name="LATEXADDIN" val="\documentclass{article}&#10;\usepackage{array,amsmath,infer,mathwidth}&#10;\pagestyle{empty}&#10;\renewcommand\implies\supset&#10;\renewcommand\sidecond[1]{$\,\scriptsize{#1}$}&#10;\setlength{\extrarowheight}{-1pt}&#10;\begin{document}&#10;&#10;\infbox{\irule{&#10;   {\begin{array}{@{}c@{}}&#10;     A^\alpha \\ &#10;     \vdots \\ &#10;     B \\[-3pt]&#10;    \end{array}}};&#10;  {A \implies B}!\alpha}&#10;&#10;&#10;\end{document}"/>
+  <p:tag name="LATEXADDIN" val="\documentclass{article}&#10;\usepackage{array,amsmath,infer,mathwidth}&#10;\pagestyle{empty}&#10;\renewcommand\implies\supset&#10;\renewcommand\sidecond[1]{$\,\scriptsize{#1}$}&#10;\setlength{\extrarowheight}{-1pt}&#10;\begin{document}&#10;&#10;\infbox{\irule{&#10;   {\begin{array}{@{}c@{}}&#10;     A^x \\ &#10;     \vdots \\ &#10;     B \\[-3pt]&#10;    \end{array}}};&#10;  {A \implies B}!x}&#10;&#10;&#10;\end{document}"/>
   <p:tag name="IGUANATEXSIZE" val="24"/>
-  <p:tag name="IGUANATEXCURSOR" val="85"/>
+  <p:tag name="IGUANATEXCURSOR" val="338"/>
   <p:tag name="TRANSPARENCY" val="True"/>
   <p:tag name="CHOOSECOLOR" val="False"/>
   <p:tag name="COLORHEX" val="000000"/>
@@ -24130,9 +24130,9 @@
   <p:tag name="ORIGINALWIDTH" val=" 2802.4"/>
   <p:tag name="OUTPUTTYPE" val="PNG"/>
   <p:tag name="IGUANATEXVERSION" val="162"/>
-  <p:tag name="LATEXADDIN" val="\documentclass{article}&#10;\usepackage{array,amsmath,infer,mathwidth}&#10;\pagestyle{empty}&#10;\renewcommand\implies\supset&#10;\renewcommand\sidecond[1]{$\,\scriptsize{#1}$}&#10;\setlength{\extrarowheight}{-1pt}&#10;\begin{document}&#10;&#10;\infbox{&#10;\iproof&#10;  {\iproof&#10;    {\iproof&#10;      {\iproof&#10;         {\iproof&#10;           {\assume {x : A \to B \to C}}&#10;           {\assume {z : A}};&#10;           {x(z) : B \to C}}&#10;         {\assume {y : B}};&#10;         {x(z)(y) : C}};&#10;      {\lambda z. x(y)(z) : A \to C}};&#10;    {\lambda y. \lambda z. x(y)(z) : B \to A \to C}};&#10;  {\lambda x. \lambda y. \lambda z. x(y)(z) : (A \to B \to C) \to (B \to A \to C)}&#10;}&#10;&#10;&#10;\end{document}"/>
+  <p:tag name="LATEXADDIN" val="\documentclass{article}&#10;\usepackage{array,amsmath,infer,mathwidth}&#10;\pagestyle{empty}&#10;\renewcommand\implies\supset&#10;\renewcommand\sidecond[1]{$\,\scriptsize{#1}$}&#10;\setlength{\extrarowheight}{-1pt}&#10;\begin{document}&#10;&#10;\infbox{&#10;\iproof&#10;  {\iproof&#10;    {\iproof&#10;      {\iproof&#10;         {\iproof&#10;           {\assume {x : A \to B \to C}}&#10;           {\assume {z : A}};&#10;           {x(z) : B \to C}}&#10;         {\assume {y : B}};&#10;         {x(z)(y) : C}};&#10;      {\lambda z. x(z)(y) : A \to C}};&#10;    {\lambda y. \lambda z. x(z)(y) : B \to A \to C}};&#10;  {\lambda x. \lambda y. \lambda z. x(z)(y) : (A \to B \to C) \to (B \to A \to C)}&#10;}&#10;&#10;&#10;\end{document}"/>
   <p:tag name="IGUANATEXSIZE" val="24"/>
-  <p:tag name="IGUANATEXCURSOR" val="324"/>
+  <p:tag name="IGUANATEXCURSOR" val="464"/>
   <p:tag name="TRANSPARENCY" val="True"/>
   <p:tag name="CHOOSECOLOR" val="False"/>
   <p:tag name="COLORHEX" val="000000"/>
